--- a/2021180001_middle2_ppt.pptx
+++ b/2021180001_middle2_ppt.pptx
@@ -261,7 +261,7 @@
           <a:p>
             <a:fld id="{CEF397A7-C865-4428-8B9A-396FAC197604}" type="datetimeFigureOut">
               <a:rPr lang="ko-KR" altLang="en-US" smtClean="0"/>
-              <a:t>2024-11-18</a:t>
+              <a:t>2024-12-08</a:t>
             </a:fld>
             <a:endParaRPr lang="ko-KR" altLang="en-US"/>
           </a:p>
@@ -459,7 +459,7 @@
           <a:p>
             <a:fld id="{CEF397A7-C865-4428-8B9A-396FAC197604}" type="datetimeFigureOut">
               <a:rPr lang="ko-KR" altLang="en-US" smtClean="0"/>
-              <a:t>2024-11-18</a:t>
+              <a:t>2024-12-08</a:t>
             </a:fld>
             <a:endParaRPr lang="ko-KR" altLang="en-US"/>
           </a:p>
@@ -667,7 +667,7 @@
           <a:p>
             <a:fld id="{CEF397A7-C865-4428-8B9A-396FAC197604}" type="datetimeFigureOut">
               <a:rPr lang="ko-KR" altLang="en-US" smtClean="0"/>
-              <a:t>2024-11-18</a:t>
+              <a:t>2024-12-08</a:t>
             </a:fld>
             <a:endParaRPr lang="ko-KR" altLang="en-US"/>
           </a:p>
@@ -865,7 +865,7 @@
           <a:p>
             <a:fld id="{CEF397A7-C865-4428-8B9A-396FAC197604}" type="datetimeFigureOut">
               <a:rPr lang="ko-KR" altLang="en-US" smtClean="0"/>
-              <a:t>2024-11-18</a:t>
+              <a:t>2024-12-08</a:t>
             </a:fld>
             <a:endParaRPr lang="ko-KR" altLang="en-US"/>
           </a:p>
@@ -1140,7 +1140,7 @@
           <a:p>
             <a:fld id="{CEF397A7-C865-4428-8B9A-396FAC197604}" type="datetimeFigureOut">
               <a:rPr lang="ko-KR" altLang="en-US" smtClean="0"/>
-              <a:t>2024-11-18</a:t>
+              <a:t>2024-12-08</a:t>
             </a:fld>
             <a:endParaRPr lang="ko-KR" altLang="en-US"/>
           </a:p>
@@ -1405,7 +1405,7 @@
           <a:p>
             <a:fld id="{CEF397A7-C865-4428-8B9A-396FAC197604}" type="datetimeFigureOut">
               <a:rPr lang="ko-KR" altLang="en-US" smtClean="0"/>
-              <a:t>2024-11-18</a:t>
+              <a:t>2024-12-08</a:t>
             </a:fld>
             <a:endParaRPr lang="ko-KR" altLang="en-US"/>
           </a:p>
@@ -1817,7 +1817,7 @@
           <a:p>
             <a:fld id="{CEF397A7-C865-4428-8B9A-396FAC197604}" type="datetimeFigureOut">
               <a:rPr lang="ko-KR" altLang="en-US" smtClean="0"/>
-              <a:t>2024-11-18</a:t>
+              <a:t>2024-12-08</a:t>
             </a:fld>
             <a:endParaRPr lang="ko-KR" altLang="en-US"/>
           </a:p>
@@ -1958,7 +1958,7 @@
           <a:p>
             <a:fld id="{CEF397A7-C865-4428-8B9A-396FAC197604}" type="datetimeFigureOut">
               <a:rPr lang="ko-KR" altLang="en-US" smtClean="0"/>
-              <a:t>2024-11-18</a:t>
+              <a:t>2024-12-08</a:t>
             </a:fld>
             <a:endParaRPr lang="ko-KR" altLang="en-US"/>
           </a:p>
@@ -2071,7 +2071,7 @@
           <a:p>
             <a:fld id="{CEF397A7-C865-4428-8B9A-396FAC197604}" type="datetimeFigureOut">
               <a:rPr lang="ko-KR" altLang="en-US" smtClean="0"/>
-              <a:t>2024-11-18</a:t>
+              <a:t>2024-12-08</a:t>
             </a:fld>
             <a:endParaRPr lang="ko-KR" altLang="en-US"/>
           </a:p>
@@ -2382,7 +2382,7 @@
           <a:p>
             <a:fld id="{CEF397A7-C865-4428-8B9A-396FAC197604}" type="datetimeFigureOut">
               <a:rPr lang="ko-KR" altLang="en-US" smtClean="0"/>
-              <a:t>2024-11-18</a:t>
+              <a:t>2024-12-08</a:t>
             </a:fld>
             <a:endParaRPr lang="ko-KR" altLang="en-US"/>
           </a:p>
@@ -2670,7 +2670,7 @@
           <a:p>
             <a:fld id="{CEF397A7-C865-4428-8B9A-396FAC197604}" type="datetimeFigureOut">
               <a:rPr lang="ko-KR" altLang="en-US" smtClean="0"/>
-              <a:t>2024-11-18</a:t>
+              <a:t>2024-12-08</a:t>
             </a:fld>
             <a:endParaRPr lang="ko-KR" altLang="en-US"/>
           </a:p>
@@ -2911,7 +2911,7 @@
           <a:p>
             <a:fld id="{CEF397A7-C865-4428-8B9A-396FAC197604}" type="datetimeFigureOut">
               <a:rPr lang="ko-KR" altLang="en-US" smtClean="0"/>
-              <a:t>2024-11-18</a:t>
+              <a:t>2024-12-08</a:t>
             </a:fld>
             <a:endParaRPr lang="ko-KR" altLang="en-US"/>
           </a:p>
@@ -3523,7 +3523,7 @@
             <p:ph sz="half" idx="1"/>
             <p:extLst>
               <p:ext uri="{D42A27DB-BD31-4B8C-83A1-F6EECF244321}">
-                <p14:modId xmlns:p14="http://schemas.microsoft.com/office/powerpoint/2010/main" val="733813257"/>
+                <p14:modId xmlns:p14="http://schemas.microsoft.com/office/powerpoint/2010/main" val="4081521693"/>
               </p:ext>
             </p:extLst>
           </p:nvPr>
@@ -3716,7 +3716,21 @@
                           <a:latin typeface="메이플스토리" panose="02000300000000000000" pitchFamily="2" charset="-127"/>
                           <a:ea typeface="메이플스토리" panose="02000300000000000000" pitchFamily="2" charset="-127"/>
                         </a:rPr>
-                        <a:t>변경사항 없음</a:t>
+                        <a:t>변경사항 없음 </a:t>
+                      </a:r>
+                      <a:r>
+                        <a:rPr lang="en-US" altLang="ko-KR" sz="1400" dirty="0">
+                          <a:latin typeface="메이플스토리" panose="02000300000000000000" pitchFamily="2" charset="-127"/>
+                          <a:ea typeface="메이플스토리" panose="02000300000000000000" pitchFamily="2" charset="-127"/>
+                        </a:rPr>
+                        <a:t>- </a:t>
+                      </a:r>
+                      <a:r>
+                        <a:rPr lang="ko-KR" altLang="en-US" sz="1400" dirty="0">
+                          <a:latin typeface="메이플스토리" panose="02000300000000000000" pitchFamily="2" charset="-127"/>
+                          <a:ea typeface="메이플스토리" panose="02000300000000000000" pitchFamily="2" charset="-127"/>
+                        </a:rPr>
+                        <a:t>완</a:t>
                       </a:r>
                     </a:p>
                   </a:txBody>
@@ -3860,7 +3874,21 @@
                           <a:latin typeface="메이플스토리" panose="02000300000000000000" pitchFamily="2" charset="-127"/>
                           <a:ea typeface="메이플스토리" panose="02000300000000000000" pitchFamily="2" charset="-127"/>
                         </a:rPr>
-                        <a:t>작업 순서 변경</a:t>
+                        <a:t>작업 순서 변경 </a:t>
+                      </a:r>
+                      <a:r>
+                        <a:rPr lang="en-US" altLang="ko-KR" sz="1400" dirty="0">
+                          <a:latin typeface="메이플스토리" panose="02000300000000000000" pitchFamily="2" charset="-127"/>
+                          <a:ea typeface="메이플스토리" panose="02000300000000000000" pitchFamily="2" charset="-127"/>
+                        </a:rPr>
+                        <a:t>- </a:t>
+                      </a:r>
+                      <a:r>
+                        <a:rPr lang="ko-KR" altLang="en-US" sz="1400" dirty="0">
+                          <a:latin typeface="메이플스토리" panose="02000300000000000000" pitchFamily="2" charset="-127"/>
+                          <a:ea typeface="메이플스토리" panose="02000300000000000000" pitchFamily="2" charset="-127"/>
+                        </a:rPr>
+                        <a:t>완</a:t>
                       </a:r>
                     </a:p>
                   </a:txBody>
@@ -3999,7 +4027,7 @@
                           <a:latin typeface="메이플스토리" panose="02000300000000000000" pitchFamily="2" charset="-127"/>
                           <a:ea typeface="메이플스토리" panose="02000300000000000000" pitchFamily="2" charset="-127"/>
                         </a:rPr>
-                        <a:t> 통합</a:t>
+                        <a:t> 통합 </a:t>
                       </a:r>
                       <a:endParaRPr lang="en-US" altLang="ko-KR" sz="1400" dirty="0">
                         <a:latin typeface="메이플스토리" panose="02000300000000000000" pitchFamily="2" charset="-127"/>
@@ -4021,6 +4049,27 @@
                           <a:ea typeface="메이플스토리" panose="02000300000000000000" pitchFamily="2" charset="-127"/>
                         </a:rPr>
                         <a:t>상점이 아닌 카드 선택으로 변경</a:t>
+                      </a:r>
+                      <a:endParaRPr lang="en-US" altLang="ko-KR" sz="1400" dirty="0">
+                        <a:latin typeface="메이플스토리" panose="02000300000000000000" pitchFamily="2" charset="-127"/>
+                        <a:ea typeface="메이플스토리" panose="02000300000000000000" pitchFamily="2" charset="-127"/>
+                      </a:endParaRPr>
+                    </a:p>
+                    <a:p>
+                      <a:pPr latinLnBrk="1"/>
+                      <a:r>
+                        <a:rPr lang="en-US" altLang="ko-KR" sz="1400" dirty="0">
+                          <a:latin typeface="메이플스토리" panose="02000300000000000000" pitchFamily="2" charset="-127"/>
+                          <a:ea typeface="메이플스토리" panose="02000300000000000000" pitchFamily="2" charset="-127"/>
+                        </a:rPr>
+                        <a:t> - </a:t>
+                      </a:r>
+                      <a:r>
+                        <a:rPr lang="ko-KR" altLang="en-US" sz="1400" dirty="0">
+                          <a:latin typeface="메이플스토리" panose="02000300000000000000" pitchFamily="2" charset="-127"/>
+                          <a:ea typeface="메이플스토리" panose="02000300000000000000" pitchFamily="2" charset="-127"/>
+                        </a:rPr>
+                        <a:t>완</a:t>
                       </a:r>
                       <a:endParaRPr lang="en-US" altLang="ko-KR" sz="1400" dirty="0">
                         <a:latin typeface="메이플스토리" panose="02000300000000000000" pitchFamily="2" charset="-127"/>
@@ -4430,7 +4479,21 @@
                           <a:latin typeface="메이플스토리" panose="02000300000000000000" pitchFamily="2" charset="-127"/>
                           <a:ea typeface="메이플스토리" panose="02000300000000000000" pitchFamily="2" charset="-127"/>
                         </a:rPr>
-                        <a:t>카드 선택 모드 제작</a:t>
+                        <a:t>카드 선택 모드 제작  </a:t>
+                      </a:r>
+                      <a:r>
+                        <a:rPr lang="en-US" altLang="ko-KR" sz="1400" dirty="0">
+                          <a:latin typeface="메이플스토리" panose="02000300000000000000" pitchFamily="2" charset="-127"/>
+                          <a:ea typeface="메이플스토리" panose="02000300000000000000" pitchFamily="2" charset="-127"/>
+                        </a:rPr>
+                        <a:t>- </a:t>
+                      </a:r>
+                      <a:r>
+                        <a:rPr lang="ko-KR" altLang="en-US" sz="1400" dirty="0">
+                          <a:latin typeface="메이플스토리" panose="02000300000000000000" pitchFamily="2" charset="-127"/>
+                          <a:ea typeface="메이플스토리" panose="02000300000000000000" pitchFamily="2" charset="-127"/>
+                        </a:rPr>
+                        <a:t>완</a:t>
                       </a:r>
                     </a:p>
                   </a:txBody>
@@ -4514,7 +4577,21 @@
                           <a:latin typeface="메이플스토리" panose="02000300000000000000" pitchFamily="2" charset="-127"/>
                           <a:ea typeface="메이플스토리" panose="02000300000000000000" pitchFamily="2" charset="-127"/>
                         </a:rPr>
-                        <a:t>작업</a:t>
+                        <a:t>작업 </a:t>
+                      </a:r>
+                      <a:r>
+                        <a:rPr lang="en-US" altLang="ko-KR" sz="1400" dirty="0">
+                          <a:latin typeface="메이플스토리" panose="02000300000000000000" pitchFamily="2" charset="-127"/>
+                          <a:ea typeface="메이플스토리" panose="02000300000000000000" pitchFamily="2" charset="-127"/>
+                        </a:rPr>
+                        <a:t>– </a:t>
+                      </a:r>
+                      <a:r>
+                        <a:rPr lang="ko-KR" altLang="en-US" sz="1400" dirty="0">
+                          <a:latin typeface="메이플스토리" panose="02000300000000000000" pitchFamily="2" charset="-127"/>
+                          <a:ea typeface="메이플스토리" panose="02000300000000000000" pitchFamily="2" charset="-127"/>
+                        </a:rPr>
+                        <a:t>완</a:t>
                       </a:r>
                     </a:p>
                   </a:txBody>
@@ -4594,7 +4671,21 @@
                           <a:latin typeface="메이플스토리" panose="02000300000000000000" pitchFamily="2" charset="-127"/>
                           <a:ea typeface="메이플스토리" panose="02000300000000000000" pitchFamily="2" charset="-127"/>
                         </a:rPr>
-                        <a:t>변경사항 없음</a:t>
+                        <a:t>변경사항 없음 </a:t>
+                      </a:r>
+                      <a:r>
+                        <a:rPr lang="en-US" altLang="ko-KR" sz="1400" dirty="0">
+                          <a:latin typeface="메이플스토리" panose="02000300000000000000" pitchFamily="2" charset="-127"/>
+                          <a:ea typeface="메이플스토리" panose="02000300000000000000" pitchFamily="2" charset="-127"/>
+                        </a:rPr>
+                        <a:t>- </a:t>
+                      </a:r>
+                      <a:r>
+                        <a:rPr lang="ko-KR" altLang="en-US" sz="1400" dirty="0">
+                          <a:latin typeface="메이플스토리" panose="02000300000000000000" pitchFamily="2" charset="-127"/>
+                          <a:ea typeface="메이플스토리" panose="02000300000000000000" pitchFamily="2" charset="-127"/>
+                        </a:rPr>
+                        <a:t>완</a:t>
                       </a:r>
                     </a:p>
                   </a:txBody>
